--- a/ppt 16-9/0509.听我心声.pptx
+++ b/ppt 16-9/0509.听我心声.pptx
@@ -129,7 +129,7 @@
           <p:cNvPr id="2" name="标题 1">
             <a:extLst>
               <a:ext uri="{FF2B5EF4-FFF2-40B4-BE49-F238E27FC236}">
-                <a16:creationId xmlns:a16="http://schemas.microsoft.com/office/drawing/2014/main" id="{92DA383D-CA35-8D17-DBF5-D68E0BD9ACCA}"/>
+                <a16:creationId xmlns:a16="http://schemas.microsoft.com/office/drawing/2014/main" id="{7ED82A4B-02DC-255C-6D91-BBE597BD16A4}"/>
               </a:ext>
             </a:extLst>
           </p:cNvPr>
@@ -166,7 +166,7 @@
           <p:cNvPr id="3" name="副标题 2">
             <a:extLst>
               <a:ext uri="{FF2B5EF4-FFF2-40B4-BE49-F238E27FC236}">
-                <a16:creationId xmlns:a16="http://schemas.microsoft.com/office/drawing/2014/main" id="{DB65CA59-FDCC-AC52-268A-9456B52CC2A7}"/>
+                <a16:creationId xmlns:a16="http://schemas.microsoft.com/office/drawing/2014/main" id="{63A095B7-8FB5-149B-9AD0-5F6B6A96AA0D}"/>
               </a:ext>
             </a:extLst>
           </p:cNvPr>
@@ -236,7 +236,7 @@
           <p:cNvPr id="4" name="日期占位符 3">
             <a:extLst>
               <a:ext uri="{FF2B5EF4-FFF2-40B4-BE49-F238E27FC236}">
-                <a16:creationId xmlns:a16="http://schemas.microsoft.com/office/drawing/2014/main" id="{252B7E3D-F269-6209-2B82-C0A8BC0BFB56}"/>
+                <a16:creationId xmlns:a16="http://schemas.microsoft.com/office/drawing/2014/main" id="{1B91C817-321A-6BB2-BEEA-FA8873406144}"/>
               </a:ext>
             </a:extLst>
           </p:cNvPr>
@@ -252,7 +252,7 @@
           <a:bodyPr/>
           <a:lstStyle/>
           <a:p>
-            <a:fld id="{2125DE2E-5ECB-4EC6-A874-04E39015B825}" type="datetimeFigureOut">
+            <a:fld id="{14269D8D-B0CB-46CB-AA5C-D8B9BA43377C}" type="datetimeFigureOut">
               <a:rPr lang="zh-CN" altLang="en-US" smtClean="0"/>
               <a:t>2024/3/10</a:t>
             </a:fld>
@@ -265,7 +265,7 @@
           <p:cNvPr id="5" name="页脚占位符 4">
             <a:extLst>
               <a:ext uri="{FF2B5EF4-FFF2-40B4-BE49-F238E27FC236}">
-                <a16:creationId xmlns:a16="http://schemas.microsoft.com/office/drawing/2014/main" id="{D472F070-7578-0A3F-9740-29F77AC22389}"/>
+                <a16:creationId xmlns:a16="http://schemas.microsoft.com/office/drawing/2014/main" id="{D5AE0590-CC74-D287-CA37-1BB46E59401A}"/>
               </a:ext>
             </a:extLst>
           </p:cNvPr>
@@ -290,7 +290,7 @@
           <p:cNvPr id="6" name="灯片编号占位符 5">
             <a:extLst>
               <a:ext uri="{FF2B5EF4-FFF2-40B4-BE49-F238E27FC236}">
-                <a16:creationId xmlns:a16="http://schemas.microsoft.com/office/drawing/2014/main" id="{C209F214-4B5F-C7F2-6849-3E97168CACEE}"/>
+                <a16:creationId xmlns:a16="http://schemas.microsoft.com/office/drawing/2014/main" id="{C595DD62-3E95-BFE2-36E1-19246A15864E}"/>
               </a:ext>
             </a:extLst>
           </p:cNvPr>
@@ -306,7 +306,7 @@
           <a:bodyPr/>
           <a:lstStyle/>
           <a:p>
-            <a:fld id="{28ED0FE8-3051-4215-9FAD-D02590E562F6}" type="slidenum">
+            <a:fld id="{85B36486-F6D9-4D2D-BBCC-4E7A4E123549}" type="slidenum">
               <a:rPr lang="zh-CN" altLang="en-US" smtClean="0"/>
               <a:t>‹#›</a:t>
             </a:fld>
@@ -317,7 +317,7 @@
     </p:spTree>
     <p:extLst>
       <p:ext uri="{BB962C8B-B14F-4D97-AF65-F5344CB8AC3E}">
-        <p14:creationId xmlns:p14="http://schemas.microsoft.com/office/powerpoint/2010/main" val="3399664484"/>
+        <p14:creationId xmlns:p14="http://schemas.microsoft.com/office/powerpoint/2010/main" val="2507254676"/>
       </p:ext>
     </p:extLst>
   </p:cSld>
@@ -349,7 +349,7 @@
           <p:cNvPr id="2" name="标题 1">
             <a:extLst>
               <a:ext uri="{FF2B5EF4-FFF2-40B4-BE49-F238E27FC236}">
-                <a16:creationId xmlns:a16="http://schemas.microsoft.com/office/drawing/2014/main" id="{7C758542-F718-D88A-7B7B-23CCF1126A5B}"/>
+                <a16:creationId xmlns:a16="http://schemas.microsoft.com/office/drawing/2014/main" id="{3491616C-647F-5290-13F9-B4BF06A05F65}"/>
               </a:ext>
             </a:extLst>
           </p:cNvPr>
@@ -377,7 +377,7 @@
           <p:cNvPr id="3" name="竖排文字占位符 2">
             <a:extLst>
               <a:ext uri="{FF2B5EF4-FFF2-40B4-BE49-F238E27FC236}">
-                <a16:creationId xmlns:a16="http://schemas.microsoft.com/office/drawing/2014/main" id="{91642667-242A-28EC-E9AB-EBE28E293AA3}"/>
+                <a16:creationId xmlns:a16="http://schemas.microsoft.com/office/drawing/2014/main" id="{50F7CB28-C37B-D4D4-9212-9092056BAD13}"/>
               </a:ext>
             </a:extLst>
           </p:cNvPr>
@@ -434,7 +434,7 @@
           <p:cNvPr id="4" name="日期占位符 3">
             <a:extLst>
               <a:ext uri="{FF2B5EF4-FFF2-40B4-BE49-F238E27FC236}">
-                <a16:creationId xmlns:a16="http://schemas.microsoft.com/office/drawing/2014/main" id="{1751463D-CA05-539C-CE2D-3E82BAFA4660}"/>
+                <a16:creationId xmlns:a16="http://schemas.microsoft.com/office/drawing/2014/main" id="{14AE5F2A-A927-E1B0-E80F-8B4371FFE531}"/>
               </a:ext>
             </a:extLst>
           </p:cNvPr>
@@ -450,7 +450,7 @@
           <a:bodyPr/>
           <a:lstStyle/>
           <a:p>
-            <a:fld id="{2125DE2E-5ECB-4EC6-A874-04E39015B825}" type="datetimeFigureOut">
+            <a:fld id="{14269D8D-B0CB-46CB-AA5C-D8B9BA43377C}" type="datetimeFigureOut">
               <a:rPr lang="zh-CN" altLang="en-US" smtClean="0"/>
               <a:t>2024/3/10</a:t>
             </a:fld>
@@ -463,7 +463,7 @@
           <p:cNvPr id="5" name="页脚占位符 4">
             <a:extLst>
               <a:ext uri="{FF2B5EF4-FFF2-40B4-BE49-F238E27FC236}">
-                <a16:creationId xmlns:a16="http://schemas.microsoft.com/office/drawing/2014/main" id="{15FDCFBE-4C42-EF87-68A7-BCDECB18F13E}"/>
+                <a16:creationId xmlns:a16="http://schemas.microsoft.com/office/drawing/2014/main" id="{0D1FAC0E-0E9D-E106-9BE4-21A67D140133}"/>
               </a:ext>
             </a:extLst>
           </p:cNvPr>
@@ -488,7 +488,7 @@
           <p:cNvPr id="6" name="灯片编号占位符 5">
             <a:extLst>
               <a:ext uri="{FF2B5EF4-FFF2-40B4-BE49-F238E27FC236}">
-                <a16:creationId xmlns:a16="http://schemas.microsoft.com/office/drawing/2014/main" id="{1B3C67BB-DB8E-5102-EAF1-93FF810FB6C8}"/>
+                <a16:creationId xmlns:a16="http://schemas.microsoft.com/office/drawing/2014/main" id="{125F01D2-49C5-B5D5-56DB-A5D74E6221D7}"/>
               </a:ext>
             </a:extLst>
           </p:cNvPr>
@@ -504,7 +504,7 @@
           <a:bodyPr/>
           <a:lstStyle/>
           <a:p>
-            <a:fld id="{28ED0FE8-3051-4215-9FAD-D02590E562F6}" type="slidenum">
+            <a:fld id="{85B36486-F6D9-4D2D-BBCC-4E7A4E123549}" type="slidenum">
               <a:rPr lang="zh-CN" altLang="en-US" smtClean="0"/>
               <a:t>‹#›</a:t>
             </a:fld>
@@ -515,7 +515,7 @@
     </p:spTree>
     <p:extLst>
       <p:ext uri="{BB962C8B-B14F-4D97-AF65-F5344CB8AC3E}">
-        <p14:creationId xmlns:p14="http://schemas.microsoft.com/office/powerpoint/2010/main" val="4223433989"/>
+        <p14:creationId xmlns:p14="http://schemas.microsoft.com/office/powerpoint/2010/main" val="1747801245"/>
       </p:ext>
     </p:extLst>
   </p:cSld>
@@ -547,7 +547,7 @@
           <p:cNvPr id="2" name="竖排标题 1">
             <a:extLst>
               <a:ext uri="{FF2B5EF4-FFF2-40B4-BE49-F238E27FC236}">
-                <a16:creationId xmlns:a16="http://schemas.microsoft.com/office/drawing/2014/main" id="{9F348E17-F646-D270-8513-67BC3C736BC1}"/>
+                <a16:creationId xmlns:a16="http://schemas.microsoft.com/office/drawing/2014/main" id="{C2D809AA-D684-3AF1-A92C-76D234FAF471}"/>
               </a:ext>
             </a:extLst>
           </p:cNvPr>
@@ -580,7 +580,7 @@
           <p:cNvPr id="3" name="竖排文字占位符 2">
             <a:extLst>
               <a:ext uri="{FF2B5EF4-FFF2-40B4-BE49-F238E27FC236}">
-                <a16:creationId xmlns:a16="http://schemas.microsoft.com/office/drawing/2014/main" id="{FE3D839F-E3E7-FC93-13ED-B77ADB7646BF}"/>
+                <a16:creationId xmlns:a16="http://schemas.microsoft.com/office/drawing/2014/main" id="{FC437F44-2191-F3F9-A2BB-0A55A8ECF058}"/>
               </a:ext>
             </a:extLst>
           </p:cNvPr>
@@ -642,7 +642,7 @@
           <p:cNvPr id="4" name="日期占位符 3">
             <a:extLst>
               <a:ext uri="{FF2B5EF4-FFF2-40B4-BE49-F238E27FC236}">
-                <a16:creationId xmlns:a16="http://schemas.microsoft.com/office/drawing/2014/main" id="{00C65B04-3432-8752-1B80-7F1B64B25C55}"/>
+                <a16:creationId xmlns:a16="http://schemas.microsoft.com/office/drawing/2014/main" id="{6BC0177F-BE03-9C3B-F9A5-D1507885F1C6}"/>
               </a:ext>
             </a:extLst>
           </p:cNvPr>
@@ -658,7 +658,7 @@
           <a:bodyPr/>
           <a:lstStyle/>
           <a:p>
-            <a:fld id="{2125DE2E-5ECB-4EC6-A874-04E39015B825}" type="datetimeFigureOut">
+            <a:fld id="{14269D8D-B0CB-46CB-AA5C-D8B9BA43377C}" type="datetimeFigureOut">
               <a:rPr lang="zh-CN" altLang="en-US" smtClean="0"/>
               <a:t>2024/3/10</a:t>
             </a:fld>
@@ -671,7 +671,7 @@
           <p:cNvPr id="5" name="页脚占位符 4">
             <a:extLst>
               <a:ext uri="{FF2B5EF4-FFF2-40B4-BE49-F238E27FC236}">
-                <a16:creationId xmlns:a16="http://schemas.microsoft.com/office/drawing/2014/main" id="{5A09D6CB-8BB2-C8A8-3E92-17292180AFF7}"/>
+                <a16:creationId xmlns:a16="http://schemas.microsoft.com/office/drawing/2014/main" id="{DA34D17F-2BC3-F104-A1EC-BA4E9C72DAB0}"/>
               </a:ext>
             </a:extLst>
           </p:cNvPr>
@@ -696,7 +696,7 @@
           <p:cNvPr id="6" name="灯片编号占位符 5">
             <a:extLst>
               <a:ext uri="{FF2B5EF4-FFF2-40B4-BE49-F238E27FC236}">
-                <a16:creationId xmlns:a16="http://schemas.microsoft.com/office/drawing/2014/main" id="{4DC59ECE-C300-10BF-DC49-14007379ED20}"/>
+                <a16:creationId xmlns:a16="http://schemas.microsoft.com/office/drawing/2014/main" id="{CA48107F-1275-3641-ED95-FCCB140A8FEC}"/>
               </a:ext>
             </a:extLst>
           </p:cNvPr>
@@ -712,7 +712,7 @@
           <a:bodyPr/>
           <a:lstStyle/>
           <a:p>
-            <a:fld id="{28ED0FE8-3051-4215-9FAD-D02590E562F6}" type="slidenum">
+            <a:fld id="{85B36486-F6D9-4D2D-BBCC-4E7A4E123549}" type="slidenum">
               <a:rPr lang="zh-CN" altLang="en-US" smtClean="0"/>
               <a:t>‹#›</a:t>
             </a:fld>
@@ -723,7 +723,7 @@
     </p:spTree>
     <p:extLst>
       <p:ext uri="{BB962C8B-B14F-4D97-AF65-F5344CB8AC3E}">
-        <p14:creationId xmlns:p14="http://schemas.microsoft.com/office/powerpoint/2010/main" val="3834566581"/>
+        <p14:creationId xmlns:p14="http://schemas.microsoft.com/office/powerpoint/2010/main" val="2737965724"/>
       </p:ext>
     </p:extLst>
   </p:cSld>
@@ -755,7 +755,7 @@
           <p:cNvPr id="2" name="标题 1">
             <a:extLst>
               <a:ext uri="{FF2B5EF4-FFF2-40B4-BE49-F238E27FC236}">
-                <a16:creationId xmlns:a16="http://schemas.microsoft.com/office/drawing/2014/main" id="{F778C2A8-69B8-AB2E-7782-79310A2912C2}"/>
+                <a16:creationId xmlns:a16="http://schemas.microsoft.com/office/drawing/2014/main" id="{DCF11B65-9E7E-1394-E2F3-645C94F85B49}"/>
               </a:ext>
             </a:extLst>
           </p:cNvPr>
@@ -783,7 +783,7 @@
           <p:cNvPr id="3" name="内容占位符 2">
             <a:extLst>
               <a:ext uri="{FF2B5EF4-FFF2-40B4-BE49-F238E27FC236}">
-                <a16:creationId xmlns:a16="http://schemas.microsoft.com/office/drawing/2014/main" id="{4B90C634-0AF8-070C-81B4-8D0047EDFB93}"/>
+                <a16:creationId xmlns:a16="http://schemas.microsoft.com/office/drawing/2014/main" id="{DB2F2339-8A74-6F8B-54B3-E8E2D5C26A2A}"/>
               </a:ext>
             </a:extLst>
           </p:cNvPr>
@@ -840,7 +840,7 @@
           <p:cNvPr id="4" name="日期占位符 3">
             <a:extLst>
               <a:ext uri="{FF2B5EF4-FFF2-40B4-BE49-F238E27FC236}">
-                <a16:creationId xmlns:a16="http://schemas.microsoft.com/office/drawing/2014/main" id="{C0644C49-BCB1-33DA-015D-D3CD4EBF8A3C}"/>
+                <a16:creationId xmlns:a16="http://schemas.microsoft.com/office/drawing/2014/main" id="{A359E9EB-1943-BCB8-A7BA-11E37C324274}"/>
               </a:ext>
             </a:extLst>
           </p:cNvPr>
@@ -856,7 +856,7 @@
           <a:bodyPr/>
           <a:lstStyle/>
           <a:p>
-            <a:fld id="{2125DE2E-5ECB-4EC6-A874-04E39015B825}" type="datetimeFigureOut">
+            <a:fld id="{14269D8D-B0CB-46CB-AA5C-D8B9BA43377C}" type="datetimeFigureOut">
               <a:rPr lang="zh-CN" altLang="en-US" smtClean="0"/>
               <a:t>2024/3/10</a:t>
             </a:fld>
@@ -869,7 +869,7 @@
           <p:cNvPr id="5" name="页脚占位符 4">
             <a:extLst>
               <a:ext uri="{FF2B5EF4-FFF2-40B4-BE49-F238E27FC236}">
-                <a16:creationId xmlns:a16="http://schemas.microsoft.com/office/drawing/2014/main" id="{7F7718F0-5DFC-88EF-E26A-18A96B0850F9}"/>
+                <a16:creationId xmlns:a16="http://schemas.microsoft.com/office/drawing/2014/main" id="{37731800-12FE-DD33-E5B7-34B352256BEE}"/>
               </a:ext>
             </a:extLst>
           </p:cNvPr>
@@ -894,7 +894,7 @@
           <p:cNvPr id="6" name="灯片编号占位符 5">
             <a:extLst>
               <a:ext uri="{FF2B5EF4-FFF2-40B4-BE49-F238E27FC236}">
-                <a16:creationId xmlns:a16="http://schemas.microsoft.com/office/drawing/2014/main" id="{871F186B-9135-FE30-C246-6E382E1F9446}"/>
+                <a16:creationId xmlns:a16="http://schemas.microsoft.com/office/drawing/2014/main" id="{E8AD3B64-049B-D44A-052D-5BB57C619C9E}"/>
               </a:ext>
             </a:extLst>
           </p:cNvPr>
@@ -910,7 +910,7 @@
           <a:bodyPr/>
           <a:lstStyle/>
           <a:p>
-            <a:fld id="{28ED0FE8-3051-4215-9FAD-D02590E562F6}" type="slidenum">
+            <a:fld id="{85B36486-F6D9-4D2D-BBCC-4E7A4E123549}" type="slidenum">
               <a:rPr lang="zh-CN" altLang="en-US" smtClean="0"/>
               <a:t>‹#›</a:t>
             </a:fld>
@@ -921,7 +921,7 @@
     </p:spTree>
     <p:extLst>
       <p:ext uri="{BB962C8B-B14F-4D97-AF65-F5344CB8AC3E}">
-        <p14:creationId xmlns:p14="http://schemas.microsoft.com/office/powerpoint/2010/main" val="1520473277"/>
+        <p14:creationId xmlns:p14="http://schemas.microsoft.com/office/powerpoint/2010/main" val="3552772014"/>
       </p:ext>
     </p:extLst>
   </p:cSld>
@@ -953,7 +953,7 @@
           <p:cNvPr id="2" name="标题 1">
             <a:extLst>
               <a:ext uri="{FF2B5EF4-FFF2-40B4-BE49-F238E27FC236}">
-                <a16:creationId xmlns:a16="http://schemas.microsoft.com/office/drawing/2014/main" id="{448073ED-0E4D-D7D4-1F75-A1F1FA4D4764}"/>
+                <a16:creationId xmlns:a16="http://schemas.microsoft.com/office/drawing/2014/main" id="{D4A55AAA-C5C5-85A0-2090-4EC10125AB0D}"/>
               </a:ext>
             </a:extLst>
           </p:cNvPr>
@@ -990,7 +990,7 @@
           <p:cNvPr id="3" name="文本占位符 2">
             <a:extLst>
               <a:ext uri="{FF2B5EF4-FFF2-40B4-BE49-F238E27FC236}">
-                <a16:creationId xmlns:a16="http://schemas.microsoft.com/office/drawing/2014/main" id="{3AFE6C65-5242-560D-6D79-0F23D56D6F01}"/>
+                <a16:creationId xmlns:a16="http://schemas.microsoft.com/office/drawing/2014/main" id="{840663CD-055C-F65A-73C5-7484003855FA}"/>
               </a:ext>
             </a:extLst>
           </p:cNvPr>
@@ -1115,7 +1115,7 @@
           <p:cNvPr id="4" name="日期占位符 3">
             <a:extLst>
               <a:ext uri="{FF2B5EF4-FFF2-40B4-BE49-F238E27FC236}">
-                <a16:creationId xmlns:a16="http://schemas.microsoft.com/office/drawing/2014/main" id="{CF6C835C-2D7B-0DEC-F75F-827900B0783B}"/>
+                <a16:creationId xmlns:a16="http://schemas.microsoft.com/office/drawing/2014/main" id="{4217B6B4-161C-DF00-E418-C4082132336E}"/>
               </a:ext>
             </a:extLst>
           </p:cNvPr>
@@ -1131,7 +1131,7 @@
           <a:bodyPr/>
           <a:lstStyle/>
           <a:p>
-            <a:fld id="{2125DE2E-5ECB-4EC6-A874-04E39015B825}" type="datetimeFigureOut">
+            <a:fld id="{14269D8D-B0CB-46CB-AA5C-D8B9BA43377C}" type="datetimeFigureOut">
               <a:rPr lang="zh-CN" altLang="en-US" smtClean="0"/>
               <a:t>2024/3/10</a:t>
             </a:fld>
@@ -1144,7 +1144,7 @@
           <p:cNvPr id="5" name="页脚占位符 4">
             <a:extLst>
               <a:ext uri="{FF2B5EF4-FFF2-40B4-BE49-F238E27FC236}">
-                <a16:creationId xmlns:a16="http://schemas.microsoft.com/office/drawing/2014/main" id="{8BEA8B25-5C4D-D3D2-1E16-5C2720F80E9D}"/>
+                <a16:creationId xmlns:a16="http://schemas.microsoft.com/office/drawing/2014/main" id="{75A902D1-4F60-58AD-A926-7E598B81B4EA}"/>
               </a:ext>
             </a:extLst>
           </p:cNvPr>
@@ -1169,7 +1169,7 @@
           <p:cNvPr id="6" name="灯片编号占位符 5">
             <a:extLst>
               <a:ext uri="{FF2B5EF4-FFF2-40B4-BE49-F238E27FC236}">
-                <a16:creationId xmlns:a16="http://schemas.microsoft.com/office/drawing/2014/main" id="{C1D2FE9B-1623-2CAB-0924-D8E33C6C7907}"/>
+                <a16:creationId xmlns:a16="http://schemas.microsoft.com/office/drawing/2014/main" id="{315691C4-0B57-4045-8511-3A39B54175AB}"/>
               </a:ext>
             </a:extLst>
           </p:cNvPr>
@@ -1185,7 +1185,7 @@
           <a:bodyPr/>
           <a:lstStyle/>
           <a:p>
-            <a:fld id="{28ED0FE8-3051-4215-9FAD-D02590E562F6}" type="slidenum">
+            <a:fld id="{85B36486-F6D9-4D2D-BBCC-4E7A4E123549}" type="slidenum">
               <a:rPr lang="zh-CN" altLang="en-US" smtClean="0"/>
               <a:t>‹#›</a:t>
             </a:fld>
@@ -1196,7 +1196,7 @@
     </p:spTree>
     <p:extLst>
       <p:ext uri="{BB962C8B-B14F-4D97-AF65-F5344CB8AC3E}">
-        <p14:creationId xmlns:p14="http://schemas.microsoft.com/office/powerpoint/2010/main" val="2695854103"/>
+        <p14:creationId xmlns:p14="http://schemas.microsoft.com/office/powerpoint/2010/main" val="3762293431"/>
       </p:ext>
     </p:extLst>
   </p:cSld>
@@ -1228,7 +1228,7 @@
           <p:cNvPr id="2" name="标题 1">
             <a:extLst>
               <a:ext uri="{FF2B5EF4-FFF2-40B4-BE49-F238E27FC236}">
-                <a16:creationId xmlns:a16="http://schemas.microsoft.com/office/drawing/2014/main" id="{FF68D174-C89F-A1E0-6929-F8FA4C953CD6}"/>
+                <a16:creationId xmlns:a16="http://schemas.microsoft.com/office/drawing/2014/main" id="{1D14E0C9-8831-266D-AF64-62ECAAC299C5}"/>
               </a:ext>
             </a:extLst>
           </p:cNvPr>
@@ -1256,7 +1256,7 @@
           <p:cNvPr id="3" name="内容占位符 2">
             <a:extLst>
               <a:ext uri="{FF2B5EF4-FFF2-40B4-BE49-F238E27FC236}">
-                <a16:creationId xmlns:a16="http://schemas.microsoft.com/office/drawing/2014/main" id="{932D8B7D-617B-64A1-8A0A-CC081A62091F}"/>
+                <a16:creationId xmlns:a16="http://schemas.microsoft.com/office/drawing/2014/main" id="{DB1FDF7D-704A-F735-AAF9-A3BBF9A35D1F}"/>
               </a:ext>
             </a:extLst>
           </p:cNvPr>
@@ -1318,7 +1318,7 @@
           <p:cNvPr id="4" name="内容占位符 3">
             <a:extLst>
               <a:ext uri="{FF2B5EF4-FFF2-40B4-BE49-F238E27FC236}">
-                <a16:creationId xmlns:a16="http://schemas.microsoft.com/office/drawing/2014/main" id="{DA68253C-07A4-1276-948B-8C1A1465C5D7}"/>
+                <a16:creationId xmlns:a16="http://schemas.microsoft.com/office/drawing/2014/main" id="{9AB04A0D-CC2B-CFD1-2E49-A17152F33E3B}"/>
               </a:ext>
             </a:extLst>
           </p:cNvPr>
@@ -1380,7 +1380,7 @@
           <p:cNvPr id="5" name="日期占位符 4">
             <a:extLst>
               <a:ext uri="{FF2B5EF4-FFF2-40B4-BE49-F238E27FC236}">
-                <a16:creationId xmlns:a16="http://schemas.microsoft.com/office/drawing/2014/main" id="{5DF3B7B7-B826-F80E-9B69-89916A11FC24}"/>
+                <a16:creationId xmlns:a16="http://schemas.microsoft.com/office/drawing/2014/main" id="{B67CC290-8731-C93A-9D6E-902D2888E5F9}"/>
               </a:ext>
             </a:extLst>
           </p:cNvPr>
@@ -1396,7 +1396,7 @@
           <a:bodyPr/>
           <a:lstStyle/>
           <a:p>
-            <a:fld id="{2125DE2E-5ECB-4EC6-A874-04E39015B825}" type="datetimeFigureOut">
+            <a:fld id="{14269D8D-B0CB-46CB-AA5C-D8B9BA43377C}" type="datetimeFigureOut">
               <a:rPr lang="zh-CN" altLang="en-US" smtClean="0"/>
               <a:t>2024/3/10</a:t>
             </a:fld>
@@ -1409,7 +1409,7 @@
           <p:cNvPr id="6" name="页脚占位符 5">
             <a:extLst>
               <a:ext uri="{FF2B5EF4-FFF2-40B4-BE49-F238E27FC236}">
-                <a16:creationId xmlns:a16="http://schemas.microsoft.com/office/drawing/2014/main" id="{23D41199-D1BA-F4EB-1B78-CC9FD663616A}"/>
+                <a16:creationId xmlns:a16="http://schemas.microsoft.com/office/drawing/2014/main" id="{6C6EEE7B-EC80-02CE-3990-5E69347E29D3}"/>
               </a:ext>
             </a:extLst>
           </p:cNvPr>
@@ -1434,7 +1434,7 @@
           <p:cNvPr id="7" name="灯片编号占位符 6">
             <a:extLst>
               <a:ext uri="{FF2B5EF4-FFF2-40B4-BE49-F238E27FC236}">
-                <a16:creationId xmlns:a16="http://schemas.microsoft.com/office/drawing/2014/main" id="{E28F8699-BD54-CF5B-188A-739A4569F3BB}"/>
+                <a16:creationId xmlns:a16="http://schemas.microsoft.com/office/drawing/2014/main" id="{D563CC8D-247C-8E93-4864-E9B3C923AC6B}"/>
               </a:ext>
             </a:extLst>
           </p:cNvPr>
@@ -1450,7 +1450,7 @@
           <a:bodyPr/>
           <a:lstStyle/>
           <a:p>
-            <a:fld id="{28ED0FE8-3051-4215-9FAD-D02590E562F6}" type="slidenum">
+            <a:fld id="{85B36486-F6D9-4D2D-BBCC-4E7A4E123549}" type="slidenum">
               <a:rPr lang="zh-CN" altLang="en-US" smtClean="0"/>
               <a:t>‹#›</a:t>
             </a:fld>
@@ -1461,7 +1461,7 @@
     </p:spTree>
     <p:extLst>
       <p:ext uri="{BB962C8B-B14F-4D97-AF65-F5344CB8AC3E}">
-        <p14:creationId xmlns:p14="http://schemas.microsoft.com/office/powerpoint/2010/main" val="80946444"/>
+        <p14:creationId xmlns:p14="http://schemas.microsoft.com/office/powerpoint/2010/main" val="85279849"/>
       </p:ext>
     </p:extLst>
   </p:cSld>
@@ -1493,7 +1493,7 @@
           <p:cNvPr id="2" name="标题 1">
             <a:extLst>
               <a:ext uri="{FF2B5EF4-FFF2-40B4-BE49-F238E27FC236}">
-                <a16:creationId xmlns:a16="http://schemas.microsoft.com/office/drawing/2014/main" id="{4583CCB6-AD5C-9703-2FBF-17DE72DABF8A}"/>
+                <a16:creationId xmlns:a16="http://schemas.microsoft.com/office/drawing/2014/main" id="{4566DDA0-08D5-0F08-CAC2-9EE49500D551}"/>
               </a:ext>
             </a:extLst>
           </p:cNvPr>
@@ -1526,7 +1526,7 @@
           <p:cNvPr id="3" name="文本占位符 2">
             <a:extLst>
               <a:ext uri="{FF2B5EF4-FFF2-40B4-BE49-F238E27FC236}">
-                <a16:creationId xmlns:a16="http://schemas.microsoft.com/office/drawing/2014/main" id="{A1E43A7A-5E1E-9687-97F7-5169AD75D31B}"/>
+                <a16:creationId xmlns:a16="http://schemas.microsoft.com/office/drawing/2014/main" id="{53D445B2-C670-041D-0BDA-CFE469CEBF2A}"/>
               </a:ext>
             </a:extLst>
           </p:cNvPr>
@@ -1597,7 +1597,7 @@
           <p:cNvPr id="4" name="内容占位符 3">
             <a:extLst>
               <a:ext uri="{FF2B5EF4-FFF2-40B4-BE49-F238E27FC236}">
-                <a16:creationId xmlns:a16="http://schemas.microsoft.com/office/drawing/2014/main" id="{F4EFBA14-3FF8-6B20-B64C-A20957CC5887}"/>
+                <a16:creationId xmlns:a16="http://schemas.microsoft.com/office/drawing/2014/main" id="{43B905C6-D762-6547-9512-B7FA2ED6AE0A}"/>
               </a:ext>
             </a:extLst>
           </p:cNvPr>
@@ -1659,7 +1659,7 @@
           <p:cNvPr id="5" name="文本占位符 4">
             <a:extLst>
               <a:ext uri="{FF2B5EF4-FFF2-40B4-BE49-F238E27FC236}">
-                <a16:creationId xmlns:a16="http://schemas.microsoft.com/office/drawing/2014/main" id="{F2A2DCFB-A067-744F-CED2-B05935C8DB8F}"/>
+                <a16:creationId xmlns:a16="http://schemas.microsoft.com/office/drawing/2014/main" id="{66E9DEE0-F7EF-A5AF-DE2B-7E537C54C11A}"/>
               </a:ext>
             </a:extLst>
           </p:cNvPr>
@@ -1730,7 +1730,7 @@
           <p:cNvPr id="6" name="内容占位符 5">
             <a:extLst>
               <a:ext uri="{FF2B5EF4-FFF2-40B4-BE49-F238E27FC236}">
-                <a16:creationId xmlns:a16="http://schemas.microsoft.com/office/drawing/2014/main" id="{BA5F15A3-3CF8-668C-0A46-D510FAD4E7E1}"/>
+                <a16:creationId xmlns:a16="http://schemas.microsoft.com/office/drawing/2014/main" id="{FF43CAF0-DAA5-63C0-A14C-D81949B7FDD6}"/>
               </a:ext>
             </a:extLst>
           </p:cNvPr>
@@ -1792,7 +1792,7 @@
           <p:cNvPr id="7" name="日期占位符 6">
             <a:extLst>
               <a:ext uri="{FF2B5EF4-FFF2-40B4-BE49-F238E27FC236}">
-                <a16:creationId xmlns:a16="http://schemas.microsoft.com/office/drawing/2014/main" id="{55813A6B-23E0-FE14-929C-9B122A75DC04}"/>
+                <a16:creationId xmlns:a16="http://schemas.microsoft.com/office/drawing/2014/main" id="{EFA0D21A-03F0-73E5-D16F-0E00636D1D02}"/>
               </a:ext>
             </a:extLst>
           </p:cNvPr>
@@ -1808,7 +1808,7 @@
           <a:bodyPr/>
           <a:lstStyle/>
           <a:p>
-            <a:fld id="{2125DE2E-5ECB-4EC6-A874-04E39015B825}" type="datetimeFigureOut">
+            <a:fld id="{14269D8D-B0CB-46CB-AA5C-D8B9BA43377C}" type="datetimeFigureOut">
               <a:rPr lang="zh-CN" altLang="en-US" smtClean="0"/>
               <a:t>2024/3/10</a:t>
             </a:fld>
@@ -1821,7 +1821,7 @@
           <p:cNvPr id="8" name="页脚占位符 7">
             <a:extLst>
               <a:ext uri="{FF2B5EF4-FFF2-40B4-BE49-F238E27FC236}">
-                <a16:creationId xmlns:a16="http://schemas.microsoft.com/office/drawing/2014/main" id="{B9132F42-504D-A031-229D-D3C29781E07C}"/>
+                <a16:creationId xmlns:a16="http://schemas.microsoft.com/office/drawing/2014/main" id="{6A6D4270-AE1F-A415-84AE-B8EB302723CD}"/>
               </a:ext>
             </a:extLst>
           </p:cNvPr>
@@ -1846,7 +1846,7 @@
           <p:cNvPr id="9" name="灯片编号占位符 8">
             <a:extLst>
               <a:ext uri="{FF2B5EF4-FFF2-40B4-BE49-F238E27FC236}">
-                <a16:creationId xmlns:a16="http://schemas.microsoft.com/office/drawing/2014/main" id="{C0072A9A-8811-78B1-AB6C-95F812D3578D}"/>
+                <a16:creationId xmlns:a16="http://schemas.microsoft.com/office/drawing/2014/main" id="{9BA4097D-B066-BEA0-AD9A-97CB3BF92E06}"/>
               </a:ext>
             </a:extLst>
           </p:cNvPr>
@@ -1862,7 +1862,7 @@
           <a:bodyPr/>
           <a:lstStyle/>
           <a:p>
-            <a:fld id="{28ED0FE8-3051-4215-9FAD-D02590E562F6}" type="slidenum">
+            <a:fld id="{85B36486-F6D9-4D2D-BBCC-4E7A4E123549}" type="slidenum">
               <a:rPr lang="zh-CN" altLang="en-US" smtClean="0"/>
               <a:t>‹#›</a:t>
             </a:fld>
@@ -1873,7 +1873,7 @@
     </p:spTree>
     <p:extLst>
       <p:ext uri="{BB962C8B-B14F-4D97-AF65-F5344CB8AC3E}">
-        <p14:creationId xmlns:p14="http://schemas.microsoft.com/office/powerpoint/2010/main" val="2960724535"/>
+        <p14:creationId xmlns:p14="http://schemas.microsoft.com/office/powerpoint/2010/main" val="3844607939"/>
       </p:ext>
     </p:extLst>
   </p:cSld>
@@ -1905,7 +1905,7 @@
           <p:cNvPr id="2" name="标题 1">
             <a:extLst>
               <a:ext uri="{FF2B5EF4-FFF2-40B4-BE49-F238E27FC236}">
-                <a16:creationId xmlns:a16="http://schemas.microsoft.com/office/drawing/2014/main" id="{889567B5-2CF9-7FB2-2AD4-B1C3E5A5EA9E}"/>
+                <a16:creationId xmlns:a16="http://schemas.microsoft.com/office/drawing/2014/main" id="{A5AFB901-7E09-67C8-2A2E-3E68D15B2C90}"/>
               </a:ext>
             </a:extLst>
           </p:cNvPr>
@@ -1933,7 +1933,7 @@
           <p:cNvPr id="3" name="日期占位符 2">
             <a:extLst>
               <a:ext uri="{FF2B5EF4-FFF2-40B4-BE49-F238E27FC236}">
-                <a16:creationId xmlns:a16="http://schemas.microsoft.com/office/drawing/2014/main" id="{FA6F142A-20BE-C378-91C0-56045E67C134}"/>
+                <a16:creationId xmlns:a16="http://schemas.microsoft.com/office/drawing/2014/main" id="{E46A86CB-9468-9B99-0220-8D2CEF090FCB}"/>
               </a:ext>
             </a:extLst>
           </p:cNvPr>
@@ -1949,7 +1949,7 @@
           <a:bodyPr/>
           <a:lstStyle/>
           <a:p>
-            <a:fld id="{2125DE2E-5ECB-4EC6-A874-04E39015B825}" type="datetimeFigureOut">
+            <a:fld id="{14269D8D-B0CB-46CB-AA5C-D8B9BA43377C}" type="datetimeFigureOut">
               <a:rPr lang="zh-CN" altLang="en-US" smtClean="0"/>
               <a:t>2024/3/10</a:t>
             </a:fld>
@@ -1962,7 +1962,7 @@
           <p:cNvPr id="4" name="页脚占位符 3">
             <a:extLst>
               <a:ext uri="{FF2B5EF4-FFF2-40B4-BE49-F238E27FC236}">
-                <a16:creationId xmlns:a16="http://schemas.microsoft.com/office/drawing/2014/main" id="{F199EE2C-B2E4-E9DF-2965-26B7CA79FF24}"/>
+                <a16:creationId xmlns:a16="http://schemas.microsoft.com/office/drawing/2014/main" id="{C66E7E5D-6CAB-60BD-7B0F-470AD8209D79}"/>
               </a:ext>
             </a:extLst>
           </p:cNvPr>
@@ -1987,7 +1987,7 @@
           <p:cNvPr id="5" name="灯片编号占位符 4">
             <a:extLst>
               <a:ext uri="{FF2B5EF4-FFF2-40B4-BE49-F238E27FC236}">
-                <a16:creationId xmlns:a16="http://schemas.microsoft.com/office/drawing/2014/main" id="{35D0D627-A761-34B5-40EF-29C691BE03B8}"/>
+                <a16:creationId xmlns:a16="http://schemas.microsoft.com/office/drawing/2014/main" id="{87D0263C-ECCD-E440-6650-426842E63F60}"/>
               </a:ext>
             </a:extLst>
           </p:cNvPr>
@@ -2003,7 +2003,7 @@
           <a:bodyPr/>
           <a:lstStyle/>
           <a:p>
-            <a:fld id="{28ED0FE8-3051-4215-9FAD-D02590E562F6}" type="slidenum">
+            <a:fld id="{85B36486-F6D9-4D2D-BBCC-4E7A4E123549}" type="slidenum">
               <a:rPr lang="zh-CN" altLang="en-US" smtClean="0"/>
               <a:t>‹#›</a:t>
             </a:fld>
@@ -2014,7 +2014,7 @@
     </p:spTree>
     <p:extLst>
       <p:ext uri="{BB962C8B-B14F-4D97-AF65-F5344CB8AC3E}">
-        <p14:creationId xmlns:p14="http://schemas.microsoft.com/office/powerpoint/2010/main" val="1873008284"/>
+        <p14:creationId xmlns:p14="http://schemas.microsoft.com/office/powerpoint/2010/main" val="2382117660"/>
       </p:ext>
     </p:extLst>
   </p:cSld>
@@ -2046,7 +2046,7 @@
           <p:cNvPr id="2" name="日期占位符 1">
             <a:extLst>
               <a:ext uri="{FF2B5EF4-FFF2-40B4-BE49-F238E27FC236}">
-                <a16:creationId xmlns:a16="http://schemas.microsoft.com/office/drawing/2014/main" id="{7F3FB50E-49C0-9ED7-38D1-3D2732012D7D}"/>
+                <a16:creationId xmlns:a16="http://schemas.microsoft.com/office/drawing/2014/main" id="{29A648EE-4EB2-E22A-1E6F-CB6D532B191C}"/>
               </a:ext>
             </a:extLst>
           </p:cNvPr>
@@ -2062,7 +2062,7 @@
           <a:bodyPr/>
           <a:lstStyle/>
           <a:p>
-            <a:fld id="{2125DE2E-5ECB-4EC6-A874-04E39015B825}" type="datetimeFigureOut">
+            <a:fld id="{14269D8D-B0CB-46CB-AA5C-D8B9BA43377C}" type="datetimeFigureOut">
               <a:rPr lang="zh-CN" altLang="en-US" smtClean="0"/>
               <a:t>2024/3/10</a:t>
             </a:fld>
@@ -2075,7 +2075,7 @@
           <p:cNvPr id="3" name="页脚占位符 2">
             <a:extLst>
               <a:ext uri="{FF2B5EF4-FFF2-40B4-BE49-F238E27FC236}">
-                <a16:creationId xmlns:a16="http://schemas.microsoft.com/office/drawing/2014/main" id="{66F5C08D-D41B-E568-BF7A-F1DE81732CEF}"/>
+                <a16:creationId xmlns:a16="http://schemas.microsoft.com/office/drawing/2014/main" id="{A7520386-0018-9202-D5C2-79B11A4A9605}"/>
               </a:ext>
             </a:extLst>
           </p:cNvPr>
@@ -2100,7 +2100,7 @@
           <p:cNvPr id="4" name="灯片编号占位符 3">
             <a:extLst>
               <a:ext uri="{FF2B5EF4-FFF2-40B4-BE49-F238E27FC236}">
-                <a16:creationId xmlns:a16="http://schemas.microsoft.com/office/drawing/2014/main" id="{C882A2E0-DA6A-414C-33A9-3DDFB7472EE1}"/>
+                <a16:creationId xmlns:a16="http://schemas.microsoft.com/office/drawing/2014/main" id="{1BD1A037-2133-13B6-A2A8-F27658ACC475}"/>
               </a:ext>
             </a:extLst>
           </p:cNvPr>
@@ -2116,7 +2116,7 @@
           <a:bodyPr/>
           <a:lstStyle/>
           <a:p>
-            <a:fld id="{28ED0FE8-3051-4215-9FAD-D02590E562F6}" type="slidenum">
+            <a:fld id="{85B36486-F6D9-4D2D-BBCC-4E7A4E123549}" type="slidenum">
               <a:rPr lang="zh-CN" altLang="en-US" smtClean="0"/>
               <a:t>‹#›</a:t>
             </a:fld>
@@ -2127,7 +2127,7 @@
     </p:spTree>
     <p:extLst>
       <p:ext uri="{BB962C8B-B14F-4D97-AF65-F5344CB8AC3E}">
-        <p14:creationId xmlns:p14="http://schemas.microsoft.com/office/powerpoint/2010/main" val="878019979"/>
+        <p14:creationId xmlns:p14="http://schemas.microsoft.com/office/powerpoint/2010/main" val="3681194779"/>
       </p:ext>
     </p:extLst>
   </p:cSld>
@@ -2159,7 +2159,7 @@
           <p:cNvPr id="2" name="标题 1">
             <a:extLst>
               <a:ext uri="{FF2B5EF4-FFF2-40B4-BE49-F238E27FC236}">
-                <a16:creationId xmlns:a16="http://schemas.microsoft.com/office/drawing/2014/main" id="{B891B844-4CF3-711A-0E15-860CA075DCCB}"/>
+                <a16:creationId xmlns:a16="http://schemas.microsoft.com/office/drawing/2014/main" id="{1CD9E254-430B-768D-D0CA-75DF30A9A07B}"/>
               </a:ext>
             </a:extLst>
           </p:cNvPr>
@@ -2196,7 +2196,7 @@
           <p:cNvPr id="3" name="内容占位符 2">
             <a:extLst>
               <a:ext uri="{FF2B5EF4-FFF2-40B4-BE49-F238E27FC236}">
-                <a16:creationId xmlns:a16="http://schemas.microsoft.com/office/drawing/2014/main" id="{A703A5DC-962D-8AC0-BB6B-F1F78E4B5DFB}"/>
+                <a16:creationId xmlns:a16="http://schemas.microsoft.com/office/drawing/2014/main" id="{B3138E08-EDFC-D6D9-049C-860ECD680975}"/>
               </a:ext>
             </a:extLst>
           </p:cNvPr>
@@ -2286,7 +2286,7 @@
           <p:cNvPr id="4" name="文本占位符 3">
             <a:extLst>
               <a:ext uri="{FF2B5EF4-FFF2-40B4-BE49-F238E27FC236}">
-                <a16:creationId xmlns:a16="http://schemas.microsoft.com/office/drawing/2014/main" id="{74BE6721-91B5-0263-A27F-6ABB99B594DC}"/>
+                <a16:creationId xmlns:a16="http://schemas.microsoft.com/office/drawing/2014/main" id="{2C8DB091-3505-996D-D4E0-DFE4ED0E3D1C}"/>
               </a:ext>
             </a:extLst>
           </p:cNvPr>
@@ -2357,7 +2357,7 @@
           <p:cNvPr id="5" name="日期占位符 4">
             <a:extLst>
               <a:ext uri="{FF2B5EF4-FFF2-40B4-BE49-F238E27FC236}">
-                <a16:creationId xmlns:a16="http://schemas.microsoft.com/office/drawing/2014/main" id="{07070190-920E-417C-5AF3-1D3D0DEA6EBF}"/>
+                <a16:creationId xmlns:a16="http://schemas.microsoft.com/office/drawing/2014/main" id="{8B5C5DC2-36C9-E200-760A-E27420A56D30}"/>
               </a:ext>
             </a:extLst>
           </p:cNvPr>
@@ -2373,7 +2373,7 @@
           <a:bodyPr/>
           <a:lstStyle/>
           <a:p>
-            <a:fld id="{2125DE2E-5ECB-4EC6-A874-04E39015B825}" type="datetimeFigureOut">
+            <a:fld id="{14269D8D-B0CB-46CB-AA5C-D8B9BA43377C}" type="datetimeFigureOut">
               <a:rPr lang="zh-CN" altLang="en-US" smtClean="0"/>
               <a:t>2024/3/10</a:t>
             </a:fld>
@@ -2386,7 +2386,7 @@
           <p:cNvPr id="6" name="页脚占位符 5">
             <a:extLst>
               <a:ext uri="{FF2B5EF4-FFF2-40B4-BE49-F238E27FC236}">
-                <a16:creationId xmlns:a16="http://schemas.microsoft.com/office/drawing/2014/main" id="{51FE0877-A425-4E22-5602-5AEA55581F50}"/>
+                <a16:creationId xmlns:a16="http://schemas.microsoft.com/office/drawing/2014/main" id="{558FDD36-804C-045A-7C80-EBFD319E6A6B}"/>
               </a:ext>
             </a:extLst>
           </p:cNvPr>
@@ -2411,7 +2411,7 @@
           <p:cNvPr id="7" name="灯片编号占位符 6">
             <a:extLst>
               <a:ext uri="{FF2B5EF4-FFF2-40B4-BE49-F238E27FC236}">
-                <a16:creationId xmlns:a16="http://schemas.microsoft.com/office/drawing/2014/main" id="{01C36B0A-46CE-A746-9D4F-698CB8833AE4}"/>
+                <a16:creationId xmlns:a16="http://schemas.microsoft.com/office/drawing/2014/main" id="{351544D0-A6A9-8B7B-6F01-B88FA1793639}"/>
               </a:ext>
             </a:extLst>
           </p:cNvPr>
@@ -2427,7 +2427,7 @@
           <a:bodyPr/>
           <a:lstStyle/>
           <a:p>
-            <a:fld id="{28ED0FE8-3051-4215-9FAD-D02590E562F6}" type="slidenum">
+            <a:fld id="{85B36486-F6D9-4D2D-BBCC-4E7A4E123549}" type="slidenum">
               <a:rPr lang="zh-CN" altLang="en-US" smtClean="0"/>
               <a:t>‹#›</a:t>
             </a:fld>
@@ -2438,7 +2438,7 @@
     </p:spTree>
     <p:extLst>
       <p:ext uri="{BB962C8B-B14F-4D97-AF65-F5344CB8AC3E}">
-        <p14:creationId xmlns:p14="http://schemas.microsoft.com/office/powerpoint/2010/main" val="2139384757"/>
+        <p14:creationId xmlns:p14="http://schemas.microsoft.com/office/powerpoint/2010/main" val="330353192"/>
       </p:ext>
     </p:extLst>
   </p:cSld>
@@ -2470,7 +2470,7 @@
           <p:cNvPr id="2" name="标题 1">
             <a:extLst>
               <a:ext uri="{FF2B5EF4-FFF2-40B4-BE49-F238E27FC236}">
-                <a16:creationId xmlns:a16="http://schemas.microsoft.com/office/drawing/2014/main" id="{38CAA0BF-89AE-5022-43C8-C7EB15D974E9}"/>
+                <a16:creationId xmlns:a16="http://schemas.microsoft.com/office/drawing/2014/main" id="{D0FCCB2A-F170-CC82-99F9-205255952E4D}"/>
               </a:ext>
             </a:extLst>
           </p:cNvPr>
@@ -2507,7 +2507,7 @@
           <p:cNvPr id="3" name="图片占位符 2">
             <a:extLst>
               <a:ext uri="{FF2B5EF4-FFF2-40B4-BE49-F238E27FC236}">
-                <a16:creationId xmlns:a16="http://schemas.microsoft.com/office/drawing/2014/main" id="{AD1FE1D1-17BB-3ED1-5DEE-9C701C4568D7}"/>
+                <a16:creationId xmlns:a16="http://schemas.microsoft.com/office/drawing/2014/main" id="{FC9A43BE-B4AE-0434-48F7-3538E13A128B}"/>
               </a:ext>
             </a:extLst>
           </p:cNvPr>
@@ -2574,7 +2574,7 @@
           <p:cNvPr id="4" name="文本占位符 3">
             <a:extLst>
               <a:ext uri="{FF2B5EF4-FFF2-40B4-BE49-F238E27FC236}">
-                <a16:creationId xmlns:a16="http://schemas.microsoft.com/office/drawing/2014/main" id="{43FADAC2-F881-E4CB-E604-3B0711699307}"/>
+                <a16:creationId xmlns:a16="http://schemas.microsoft.com/office/drawing/2014/main" id="{8F259998-6A8F-6675-19AC-FDDF9692505C}"/>
               </a:ext>
             </a:extLst>
           </p:cNvPr>
@@ -2645,7 +2645,7 @@
           <p:cNvPr id="5" name="日期占位符 4">
             <a:extLst>
               <a:ext uri="{FF2B5EF4-FFF2-40B4-BE49-F238E27FC236}">
-                <a16:creationId xmlns:a16="http://schemas.microsoft.com/office/drawing/2014/main" id="{D67A7DEA-9C1C-CA67-B20A-FD7B87AAC10E}"/>
+                <a16:creationId xmlns:a16="http://schemas.microsoft.com/office/drawing/2014/main" id="{683D6FA7-83FC-3865-6040-1247A0957B3E}"/>
               </a:ext>
             </a:extLst>
           </p:cNvPr>
@@ -2661,7 +2661,7 @@
           <a:bodyPr/>
           <a:lstStyle/>
           <a:p>
-            <a:fld id="{2125DE2E-5ECB-4EC6-A874-04E39015B825}" type="datetimeFigureOut">
+            <a:fld id="{14269D8D-B0CB-46CB-AA5C-D8B9BA43377C}" type="datetimeFigureOut">
               <a:rPr lang="zh-CN" altLang="en-US" smtClean="0"/>
               <a:t>2024/3/10</a:t>
             </a:fld>
@@ -2674,7 +2674,7 @@
           <p:cNvPr id="6" name="页脚占位符 5">
             <a:extLst>
               <a:ext uri="{FF2B5EF4-FFF2-40B4-BE49-F238E27FC236}">
-                <a16:creationId xmlns:a16="http://schemas.microsoft.com/office/drawing/2014/main" id="{C3323691-01D1-7908-2F60-F0E8D358F46C}"/>
+                <a16:creationId xmlns:a16="http://schemas.microsoft.com/office/drawing/2014/main" id="{43F2AF3C-A00A-C8BD-2BE6-5BEBCA7F9D86}"/>
               </a:ext>
             </a:extLst>
           </p:cNvPr>
@@ -2699,7 +2699,7 @@
           <p:cNvPr id="7" name="灯片编号占位符 6">
             <a:extLst>
               <a:ext uri="{FF2B5EF4-FFF2-40B4-BE49-F238E27FC236}">
-                <a16:creationId xmlns:a16="http://schemas.microsoft.com/office/drawing/2014/main" id="{D4561F59-F7AB-8EEC-477C-B0BC5D405B9B}"/>
+                <a16:creationId xmlns:a16="http://schemas.microsoft.com/office/drawing/2014/main" id="{6B108007-4378-A085-8A0A-DF6A876814D2}"/>
               </a:ext>
             </a:extLst>
           </p:cNvPr>
@@ -2715,7 +2715,7 @@
           <a:bodyPr/>
           <a:lstStyle/>
           <a:p>
-            <a:fld id="{28ED0FE8-3051-4215-9FAD-D02590E562F6}" type="slidenum">
+            <a:fld id="{85B36486-F6D9-4D2D-BBCC-4E7A4E123549}" type="slidenum">
               <a:rPr lang="zh-CN" altLang="en-US" smtClean="0"/>
               <a:t>‹#›</a:t>
             </a:fld>
@@ -2726,7 +2726,7 @@
     </p:spTree>
     <p:extLst>
       <p:ext uri="{BB962C8B-B14F-4D97-AF65-F5344CB8AC3E}">
-        <p14:creationId xmlns:p14="http://schemas.microsoft.com/office/powerpoint/2010/main" val="1499926422"/>
+        <p14:creationId xmlns:p14="http://schemas.microsoft.com/office/powerpoint/2010/main" val="2272498263"/>
       </p:ext>
     </p:extLst>
   </p:cSld>
@@ -2763,7 +2763,7 @@
           <p:cNvPr id="2" name="标题占位符 1">
             <a:extLst>
               <a:ext uri="{FF2B5EF4-FFF2-40B4-BE49-F238E27FC236}">
-                <a16:creationId xmlns:a16="http://schemas.microsoft.com/office/drawing/2014/main" id="{D706A1AC-9D93-4AAB-2679-1C85962D2AC6}"/>
+                <a16:creationId xmlns:a16="http://schemas.microsoft.com/office/drawing/2014/main" id="{B52DCE36-3C9F-2D47-9C69-177FFC49EF30}"/>
               </a:ext>
             </a:extLst>
           </p:cNvPr>
@@ -2801,7 +2801,7 @@
           <p:cNvPr id="3" name="文本占位符 2">
             <a:extLst>
               <a:ext uri="{FF2B5EF4-FFF2-40B4-BE49-F238E27FC236}">
-                <a16:creationId xmlns:a16="http://schemas.microsoft.com/office/drawing/2014/main" id="{F01F7466-28F1-1E6E-8F56-425C99713346}"/>
+                <a16:creationId xmlns:a16="http://schemas.microsoft.com/office/drawing/2014/main" id="{5C7D4EE1-2840-C65E-B7C3-90E8F8E6F7E5}"/>
               </a:ext>
             </a:extLst>
           </p:cNvPr>
@@ -2868,7 +2868,7 @@
           <p:cNvPr id="4" name="日期占位符 3">
             <a:extLst>
               <a:ext uri="{FF2B5EF4-FFF2-40B4-BE49-F238E27FC236}">
-                <a16:creationId xmlns:a16="http://schemas.microsoft.com/office/drawing/2014/main" id="{AEDE2B24-D0A6-7E11-A16A-BB406751199F}"/>
+                <a16:creationId xmlns:a16="http://schemas.microsoft.com/office/drawing/2014/main" id="{D2600E46-1529-E122-C7B1-C6EF85A26469}"/>
               </a:ext>
             </a:extLst>
           </p:cNvPr>
@@ -2902,7 +2902,7 @@
             </a:lvl1pPr>
           </a:lstStyle>
           <a:p>
-            <a:fld id="{2125DE2E-5ECB-4EC6-A874-04E39015B825}" type="datetimeFigureOut">
+            <a:fld id="{14269D8D-B0CB-46CB-AA5C-D8B9BA43377C}" type="datetimeFigureOut">
               <a:rPr lang="zh-CN" altLang="en-US" smtClean="0"/>
               <a:t>2024/3/10</a:t>
             </a:fld>
@@ -2915,7 +2915,7 @@
           <p:cNvPr id="5" name="页脚占位符 4">
             <a:extLst>
               <a:ext uri="{FF2B5EF4-FFF2-40B4-BE49-F238E27FC236}">
-                <a16:creationId xmlns:a16="http://schemas.microsoft.com/office/drawing/2014/main" id="{AF807F5A-690B-6713-D626-D005C5D1FF43}"/>
+                <a16:creationId xmlns:a16="http://schemas.microsoft.com/office/drawing/2014/main" id="{FED3162F-A1A6-3FBE-F798-79D6C919F832}"/>
               </a:ext>
             </a:extLst>
           </p:cNvPr>
@@ -2958,7 +2958,7 @@
           <p:cNvPr id="6" name="灯片编号占位符 5">
             <a:extLst>
               <a:ext uri="{FF2B5EF4-FFF2-40B4-BE49-F238E27FC236}">
-                <a16:creationId xmlns:a16="http://schemas.microsoft.com/office/drawing/2014/main" id="{7D260F78-9E68-B210-7F5F-6344A4497CB2}"/>
+                <a16:creationId xmlns:a16="http://schemas.microsoft.com/office/drawing/2014/main" id="{28C8B6A9-D404-B521-F55E-5417C0EC6FDD}"/>
               </a:ext>
             </a:extLst>
           </p:cNvPr>
@@ -2992,7 +2992,7 @@
             </a:lvl1pPr>
           </a:lstStyle>
           <a:p>
-            <a:fld id="{28ED0FE8-3051-4215-9FAD-D02590E562F6}" type="slidenum">
+            <a:fld id="{85B36486-F6D9-4D2D-BBCC-4E7A4E123549}" type="slidenum">
               <a:rPr lang="zh-CN" altLang="en-US" smtClean="0"/>
               <a:t>‹#›</a:t>
             </a:fld>
@@ -3003,7 +3003,7 @@
     </p:spTree>
     <p:extLst>
       <p:ext uri="{BB962C8B-B14F-4D97-AF65-F5344CB8AC3E}">
-        <p14:creationId xmlns:p14="http://schemas.microsoft.com/office/powerpoint/2010/main" val="374460279"/>
+        <p14:creationId xmlns:p14="http://schemas.microsoft.com/office/powerpoint/2010/main" val="1998853464"/>
       </p:ext>
     </p:extLst>
   </p:cSld>
